--- a/docs/diagrams/CardExpenditureExample.pptx
+++ b/docs/diagrams/CardExpenditureExample.pptx
@@ -11,6 +11,7 @@
     <p:sldId id="260" r:id="rId5"/>
     <p:sldId id="261" r:id="rId6"/>
     <p:sldId id="262" r:id="rId7"/>
+    <p:sldId id="263" r:id="rId8"/>
   </p:sldIdLst>
   <p:sldSz cx="12192000" cy="6858000"/>
   <p:notesSz cx="6858000" cy="9144000"/>
@@ -5423,6 +5424,354 @@
 </p:sld>
 </file>
 
+<file path=ppt/slides/slide7.xml><?xml version="1.0" encoding="utf-8"?>
+<p:sld xmlns:a="http://schemas.openxmlformats.org/drawingml/2006/main" xmlns:r="http://schemas.openxmlformats.org/officeDocument/2006/relationships" xmlns:p="http://schemas.openxmlformats.org/presentationml/2006/main">
+  <p:cSld>
+    <p:spTree>
+      <p:nvGrpSpPr>
+        <p:cNvPr id="1" name=""/>
+        <p:cNvGrpSpPr/>
+        <p:nvPr/>
+      </p:nvGrpSpPr>
+      <p:grpSpPr>
+        <a:xfrm>
+          <a:off x="0" y="0"/>
+          <a:ext cx="0" cy="0"/>
+          <a:chOff x="0" y="0"/>
+          <a:chExt cx="0" cy="0"/>
+        </a:xfrm>
+      </p:grpSpPr>
+      <p:pic>
+        <p:nvPicPr>
+          <p:cNvPr id="3" name="Picture 2">
+            <a:extLst>
+              <a:ext uri="{FF2B5EF4-FFF2-40B4-BE49-F238E27FC236}">
+                <a16:creationId xmlns:a16="http://schemas.microsoft.com/office/drawing/2014/main" id="{803F6AFB-6DA8-C14E-A12B-1A2529A01872}"/>
+              </a:ext>
+            </a:extLst>
+          </p:cNvPr>
+          <p:cNvPicPr>
+            <a:picLocks noChangeAspect="1"/>
+          </p:cNvPicPr>
+          <p:nvPr/>
+        </p:nvPicPr>
+        <p:blipFill>
+          <a:blip r:embed="rId2">
+            <a:extLst>
+              <a:ext uri="{28A0092B-C50C-407E-A947-70E740481C1C}">
+                <a14:useLocalDpi xmlns:a14="http://schemas.microsoft.com/office/drawing/2010/main" val="0"/>
+              </a:ext>
+            </a:extLst>
+          </a:blip>
+          <a:stretch>
+            <a:fillRect/>
+          </a:stretch>
+        </p:blipFill>
+        <p:spPr>
+          <a:xfrm>
+            <a:off x="527050" y="482600"/>
+            <a:ext cx="11137900" cy="5892800"/>
+          </a:xfrm>
+          <a:prstGeom prst="rect">
+            <a:avLst/>
+          </a:prstGeom>
+        </p:spPr>
+      </p:pic>
+      <p:sp>
+        <p:nvSpPr>
+          <p:cNvPr id="11" name="Rectangle 10">
+            <a:extLst>
+              <a:ext uri="{FF2B5EF4-FFF2-40B4-BE49-F238E27FC236}">
+                <a16:creationId xmlns:a16="http://schemas.microsoft.com/office/drawing/2014/main" id="{2875D9D1-29EC-9E4E-8892-115259CBD4BE}"/>
+              </a:ext>
+            </a:extLst>
+          </p:cNvPr>
+          <p:cNvSpPr/>
+          <p:nvPr/>
+        </p:nvSpPr>
+        <p:spPr>
+          <a:xfrm>
+            <a:off x="537210" y="3291840"/>
+            <a:ext cx="10709910" cy="2994660"/>
+          </a:xfrm>
+          <a:prstGeom prst="rect">
+            <a:avLst/>
+          </a:prstGeom>
+          <a:noFill/>
+          <a:ln>
+            <a:solidFill>
+              <a:srgbClr val="00B050"/>
+            </a:solidFill>
+          </a:ln>
+        </p:spPr>
+        <p:style>
+          <a:lnRef idx="2">
+            <a:schemeClr val="accent1">
+              <a:shade val="50000"/>
+            </a:schemeClr>
+          </a:lnRef>
+          <a:fillRef idx="1">
+            <a:schemeClr val="accent1"/>
+          </a:fillRef>
+          <a:effectRef idx="0">
+            <a:schemeClr val="accent1"/>
+          </a:effectRef>
+          <a:fontRef idx="minor">
+            <a:schemeClr val="lt1"/>
+          </a:fontRef>
+        </p:style>
+        <p:txBody>
+          <a:bodyPr rtlCol="0" anchor="ctr"/>
+          <a:lstStyle/>
+          <a:p>
+            <a:pPr algn="ctr"/>
+            <a:endParaRPr lang="en-SG" dirty="0"/>
+          </a:p>
+        </p:txBody>
+      </p:sp>
+      <p:cxnSp>
+        <p:nvCxnSpPr>
+          <p:cNvPr id="12" name="Straight Arrow Connector 11">
+            <a:extLst>
+              <a:ext uri="{FF2B5EF4-FFF2-40B4-BE49-F238E27FC236}">
+                <a16:creationId xmlns:a16="http://schemas.microsoft.com/office/drawing/2014/main" id="{37A38029-19A5-E943-A09A-7D2B7AE2DA71}"/>
+              </a:ext>
+            </a:extLst>
+          </p:cNvPr>
+          <p:cNvCxnSpPr>
+            <a:cxnSpLocks/>
+          </p:cNvCxnSpPr>
+          <p:nvPr/>
+        </p:nvCxnSpPr>
+        <p:spPr>
+          <a:xfrm>
+            <a:off x="10267639" y="2803314"/>
+            <a:ext cx="1" cy="382051"/>
+          </a:xfrm>
+          <a:prstGeom prst="straightConnector1">
+            <a:avLst/>
+          </a:prstGeom>
+          <a:ln>
+            <a:solidFill>
+              <a:srgbClr val="00B050"/>
+            </a:solidFill>
+            <a:tailEnd type="triangle"/>
+          </a:ln>
+        </p:spPr>
+        <p:style>
+          <a:lnRef idx="1">
+            <a:schemeClr val="accent1"/>
+          </a:lnRef>
+          <a:fillRef idx="0">
+            <a:schemeClr val="accent1"/>
+          </a:fillRef>
+          <a:effectRef idx="0">
+            <a:schemeClr val="accent1"/>
+          </a:effectRef>
+          <a:fontRef idx="minor">
+            <a:schemeClr val="tx1"/>
+          </a:fontRef>
+        </p:style>
+      </p:cxnSp>
+      <p:sp>
+        <p:nvSpPr>
+          <p:cNvPr id="13" name="TextBox 12">
+            <a:extLst>
+              <a:ext uri="{FF2B5EF4-FFF2-40B4-BE49-F238E27FC236}">
+                <a16:creationId xmlns:a16="http://schemas.microsoft.com/office/drawing/2014/main" id="{32EEB94D-63E4-3241-BC4B-AC7F5FF8B90E}"/>
+              </a:ext>
+            </a:extLst>
+          </p:cNvPr>
+          <p:cNvSpPr txBox="1"/>
+          <p:nvPr/>
+        </p:nvSpPr>
+        <p:spPr>
+          <a:xfrm>
+            <a:off x="9220294" y="2307359"/>
+            <a:ext cx="1552114" cy="461665"/>
+          </a:xfrm>
+          <a:prstGeom prst="rect">
+            <a:avLst/>
+          </a:prstGeom>
+          <a:noFill/>
+          <a:ln>
+            <a:solidFill>
+              <a:srgbClr val="00B050"/>
+            </a:solidFill>
+          </a:ln>
+        </p:spPr>
+        <p:txBody>
+          <a:bodyPr wrap="square" rtlCol="0">
+            <a:spAutoFit/>
+          </a:bodyPr>
+          <a:lstStyle/>
+          <a:p>
+            <a:r>
+              <a:rPr lang="en-SG" sz="1200" dirty="0">
+                <a:solidFill>
+                  <a:srgbClr val="00B050"/>
+                </a:solidFill>
+                <a:latin typeface="+mj-lt"/>
+              </a:rPr>
+              <a:t>Successful adding of card bill</a:t>
+            </a:r>
+          </a:p>
+        </p:txBody>
+      </p:sp>
+      <p:sp>
+        <p:nvSpPr>
+          <p:cNvPr id="18" name="Rectangle 17">
+            <a:extLst>
+              <a:ext uri="{FF2B5EF4-FFF2-40B4-BE49-F238E27FC236}">
+                <a16:creationId xmlns:a16="http://schemas.microsoft.com/office/drawing/2014/main" id="{FBF7C905-CD92-F04E-9E79-14B2C17726C9}"/>
+              </a:ext>
+            </a:extLst>
+          </p:cNvPr>
+          <p:cNvSpPr/>
+          <p:nvPr/>
+        </p:nvSpPr>
+        <p:spPr>
+          <a:xfrm>
+            <a:off x="538480" y="3062899"/>
+            <a:ext cx="3963044" cy="204185"/>
+          </a:xfrm>
+          <a:prstGeom prst="rect">
+            <a:avLst/>
+          </a:prstGeom>
+          <a:noFill/>
+          <a:ln>
+            <a:solidFill>
+              <a:srgbClr val="FF0000"/>
+            </a:solidFill>
+          </a:ln>
+        </p:spPr>
+        <p:style>
+          <a:lnRef idx="2">
+            <a:schemeClr val="accent1">
+              <a:shade val="50000"/>
+            </a:schemeClr>
+          </a:lnRef>
+          <a:fillRef idx="1">
+            <a:schemeClr val="accent1"/>
+          </a:fillRef>
+          <a:effectRef idx="0">
+            <a:schemeClr val="accent1"/>
+          </a:effectRef>
+          <a:fontRef idx="minor">
+            <a:schemeClr val="lt1"/>
+          </a:fontRef>
+        </p:style>
+        <p:txBody>
+          <a:bodyPr rtlCol="0" anchor="ctr"/>
+          <a:lstStyle/>
+          <a:p>
+            <a:pPr algn="ctr"/>
+            <a:endParaRPr lang="en-SG"/>
+          </a:p>
+        </p:txBody>
+      </p:sp>
+      <p:cxnSp>
+        <p:nvCxnSpPr>
+          <p:cNvPr id="21" name="Straight Arrow Connector 20">
+            <a:extLst>
+              <a:ext uri="{FF2B5EF4-FFF2-40B4-BE49-F238E27FC236}">
+                <a16:creationId xmlns:a16="http://schemas.microsoft.com/office/drawing/2014/main" id="{74B57B34-8BB3-4B4C-9F31-F749F5E13295}"/>
+              </a:ext>
+            </a:extLst>
+          </p:cNvPr>
+          <p:cNvCxnSpPr>
+            <a:cxnSpLocks/>
+          </p:cNvCxnSpPr>
+          <p:nvPr/>
+        </p:nvCxnSpPr>
+        <p:spPr>
+          <a:xfrm flipH="1">
+            <a:off x="4642853" y="2769024"/>
+            <a:ext cx="461638" cy="204187"/>
+          </a:xfrm>
+          <a:prstGeom prst="straightConnector1">
+            <a:avLst/>
+          </a:prstGeom>
+          <a:ln>
+            <a:solidFill>
+              <a:srgbClr val="FF0000"/>
+            </a:solidFill>
+            <a:tailEnd type="triangle"/>
+          </a:ln>
+        </p:spPr>
+        <p:style>
+          <a:lnRef idx="1">
+            <a:schemeClr val="accent1"/>
+          </a:lnRef>
+          <a:fillRef idx="0">
+            <a:schemeClr val="accent1"/>
+          </a:fillRef>
+          <a:effectRef idx="0">
+            <a:schemeClr val="accent1"/>
+          </a:effectRef>
+          <a:fontRef idx="minor">
+            <a:schemeClr val="tx1"/>
+          </a:fontRef>
+        </p:style>
+      </p:cxnSp>
+      <p:sp>
+        <p:nvSpPr>
+          <p:cNvPr id="22" name="TextBox 21">
+            <a:extLst>
+              <a:ext uri="{FF2B5EF4-FFF2-40B4-BE49-F238E27FC236}">
+                <a16:creationId xmlns:a16="http://schemas.microsoft.com/office/drawing/2014/main" id="{CD094B18-ADEE-0945-BA85-49EF4D9E7895}"/>
+              </a:ext>
+            </a:extLst>
+          </p:cNvPr>
+          <p:cNvSpPr txBox="1"/>
+          <p:nvPr/>
+        </p:nvSpPr>
+        <p:spPr>
+          <a:xfrm>
+            <a:off x="5133159" y="2620752"/>
+            <a:ext cx="1362446" cy="276999"/>
+          </a:xfrm>
+          <a:prstGeom prst="rect">
+            <a:avLst/>
+          </a:prstGeom>
+          <a:noFill/>
+          <a:ln>
+            <a:solidFill>
+              <a:srgbClr val="FF0000"/>
+            </a:solidFill>
+          </a:ln>
+        </p:spPr>
+        <p:txBody>
+          <a:bodyPr wrap="square" rtlCol="0">
+            <a:spAutoFit/>
+          </a:bodyPr>
+          <a:lstStyle/>
+          <a:p>
+            <a:r>
+              <a:rPr lang="en-SG" sz="1200" dirty="0">
+                <a:solidFill>
+                  <a:srgbClr val="FF0000"/>
+                </a:solidFill>
+                <a:latin typeface="+mj-lt"/>
+              </a:rPr>
+              <a:t>Command entered</a:t>
+            </a:r>
+          </a:p>
+        </p:txBody>
+      </p:sp>
+    </p:spTree>
+    <p:extLst>
+      <p:ext uri="{BB962C8B-B14F-4D97-AF65-F5344CB8AC3E}">
+        <p14:creationId xmlns:p14="http://schemas.microsoft.com/office/powerpoint/2010/main" val="1540818419"/>
+      </p:ext>
+    </p:extLst>
+  </p:cSld>
+  <p:clrMapOvr>
+    <a:masterClrMapping/>
+  </p:clrMapOvr>
+</p:sld>
+</file>
+
 <file path=ppt/theme/theme1.xml><?xml version="1.0" encoding="utf-8"?>
 <a:theme xmlns:a="http://schemas.openxmlformats.org/drawingml/2006/main" name="Office Theme">
   <a:themeElements>
